--- a/wb_final_progress.pptx
+++ b/wb_final_progress.pptx
@@ -2470,7 +2470,7 @@
           <a:p>
             <a:fld id="{3C04E684-10F4-4CC3-A0B9-F03AA7BE37CF}" type="datetimeFigureOut">
               <a:rPr lang="en-US" smtClean="0"/>
-              <a:t>4/21/20</a:t>
+              <a:t>5/1/2020</a:t>
             </a:fld>
             <a:endParaRPr lang="en-US"/>
           </a:p>
@@ -4960,7 +4960,7 @@
           <a:p>
             <a:fld id="{3C04E684-10F4-4CC3-A0B9-F03AA7BE37CF}" type="datetimeFigureOut">
               <a:rPr lang="en-US" smtClean="0"/>
-              <a:t>4/21/20</a:t>
+              <a:t>5/1/2020</a:t>
             </a:fld>
             <a:endParaRPr lang="en-US"/>
           </a:p>
@@ -5158,7 +5158,7 @@
           <a:p>
             <a:fld id="{3C04E684-10F4-4CC3-A0B9-F03AA7BE37CF}" type="datetimeFigureOut">
               <a:rPr lang="en-US" smtClean="0"/>
-              <a:t>4/21/20</a:t>
+              <a:t>5/1/2020</a:t>
             </a:fld>
             <a:endParaRPr lang="en-US"/>
           </a:p>
@@ -5366,7 +5366,7 @@
           <a:p>
             <a:fld id="{3C04E684-10F4-4CC3-A0B9-F03AA7BE37CF}" type="datetimeFigureOut">
               <a:rPr lang="en-US" smtClean="0"/>
-              <a:t>4/21/20</a:t>
+              <a:t>5/1/2020</a:t>
             </a:fld>
             <a:endParaRPr lang="en-US"/>
           </a:p>
@@ -5625,7 +5625,7 @@
           <a:p>
             <a:fld id="{02AC24A9-CCB6-4F8D-B8DB-C2F3692CFA5A}" type="datetimeFigureOut">
               <a:rPr lang="en-US" smtClean="0"/>
-              <a:t>4/21/20</a:t>
+              <a:t>5/1/2020</a:t>
             </a:fld>
             <a:endParaRPr lang="en-US" dirty="0"/>
           </a:p>
@@ -5795,7 +5795,7 @@
           <a:p>
             <a:fld id="{3C04E684-10F4-4CC3-A0B9-F03AA7BE37CF}" type="datetimeFigureOut">
               <a:rPr lang="en-US" smtClean="0"/>
-              <a:t>4/21/20</a:t>
+              <a:t>5/1/2020</a:t>
             </a:fld>
             <a:endParaRPr lang="en-US"/>
           </a:p>
@@ -6042,7 +6042,7 @@
           <a:p>
             <a:fld id="{02AC24A9-CCB6-4F8D-B8DB-C2F3692CFA5A}" type="datetimeFigureOut">
               <a:rPr lang="en-US" smtClean="0"/>
-              <a:t>4/21/20</a:t>
+              <a:t>5/1/2020</a:t>
             </a:fld>
             <a:endParaRPr lang="en-US"/>
           </a:p>
@@ -6334,7 +6334,7 @@
           <a:p>
             <a:fld id="{3C04E684-10F4-4CC3-A0B9-F03AA7BE37CF}" type="datetimeFigureOut">
               <a:rPr lang="en-US" smtClean="0"/>
-              <a:t>4/21/20</a:t>
+              <a:t>5/1/2020</a:t>
             </a:fld>
             <a:endParaRPr lang="en-US"/>
           </a:p>
@@ -6778,7 +6778,7 @@
           <a:p>
             <a:fld id="{3C04E684-10F4-4CC3-A0B9-F03AA7BE37CF}" type="datetimeFigureOut">
               <a:rPr lang="en-US" smtClean="0"/>
-              <a:t>4/21/20</a:t>
+              <a:t>5/1/2020</a:t>
             </a:fld>
             <a:endParaRPr lang="en-US"/>
           </a:p>
@@ -6896,7 +6896,7 @@
           <a:p>
             <a:fld id="{02AC24A9-CCB6-4F8D-B8DB-C2F3692CFA5A}" type="datetimeFigureOut">
               <a:rPr lang="en-US" smtClean="0"/>
-              <a:t>4/21/20</a:t>
+              <a:t>5/1/2020</a:t>
             </a:fld>
             <a:endParaRPr lang="en-US"/>
           </a:p>
@@ -6991,7 +6991,7 @@
           <a:p>
             <a:fld id="{02AC24A9-CCB6-4F8D-B8DB-C2F3692CFA5A}" type="datetimeFigureOut">
               <a:rPr lang="en-US" smtClean="0"/>
-              <a:t>4/21/20</a:t>
+              <a:t>5/1/2020</a:t>
             </a:fld>
             <a:endParaRPr lang="en-US"/>
           </a:p>
@@ -7716,7 +7716,7 @@
           <a:p>
             <a:fld id="{3C04E684-10F4-4CC3-A0B9-F03AA7BE37CF}" type="datetimeFigureOut">
               <a:rPr lang="en-US" smtClean="0"/>
-              <a:t>4/21/20</a:t>
+              <a:t>5/1/2020</a:t>
             </a:fld>
             <a:endParaRPr lang="en-US"/>
           </a:p>
@@ -8007,7 +8007,7 @@
           <a:p>
             <a:fld id="{3C04E684-10F4-4CC3-A0B9-F03AA7BE37CF}" type="datetimeFigureOut">
               <a:rPr lang="en-US" smtClean="0"/>
-              <a:t>4/21/20</a:t>
+              <a:t>5/1/2020</a:t>
             </a:fld>
             <a:endParaRPr lang="en-US"/>
           </a:p>
@@ -8282,7 +8282,7 @@
           <a:p>
             <a:fld id="{3C04E684-10F4-4CC3-A0B9-F03AA7BE37CF}" type="datetimeFigureOut">
               <a:rPr lang="en-US" smtClean="0"/>
-              <a:t>4/21/20</a:t>
+              <a:t>5/1/2020</a:t>
             </a:fld>
             <a:endParaRPr lang="en-US"/>
           </a:p>
@@ -8557,7 +8557,7 @@
           <a:p>
             <a:fld id="{3C04E684-10F4-4CC3-A0B9-F03AA7BE37CF}" type="datetimeFigureOut">
               <a:rPr lang="en-US" smtClean="0"/>
-              <a:t>4/21/20</a:t>
+              <a:t>5/1/2020</a:t>
             </a:fld>
             <a:endParaRPr lang="en-US"/>
           </a:p>
@@ -8751,7 +8751,7 @@
           <a:p>
             <a:fld id="{3C04E684-10F4-4CC3-A0B9-F03AA7BE37CF}" type="datetimeFigureOut">
               <a:rPr lang="en-US" smtClean="0"/>
-              <a:t>4/21/20</a:t>
+              <a:t>5/1/2020</a:t>
             </a:fld>
             <a:endParaRPr lang="en-US"/>
           </a:p>
@@ -9024,7 +9024,7 @@
           <a:p>
             <a:fld id="{3C04E684-10F4-4CC3-A0B9-F03AA7BE37CF}" type="datetimeFigureOut">
               <a:rPr lang="en-US" smtClean="0"/>
-              <a:t>4/21/20</a:t>
+              <a:t>5/1/2020</a:t>
             </a:fld>
             <a:endParaRPr lang="en-US"/>
           </a:p>
@@ -9365,7 +9365,7 @@
           <a:p>
             <a:fld id="{3C04E684-10F4-4CC3-A0B9-F03AA7BE37CF}" type="datetimeFigureOut">
               <a:rPr lang="en-US" smtClean="0"/>
-              <a:t>4/21/20</a:t>
+              <a:t>5/1/2020</a:t>
             </a:fld>
             <a:endParaRPr lang="en-US"/>
           </a:p>
@@ -9988,7 +9988,7 @@
           <a:p>
             <a:fld id="{3C04E684-10F4-4CC3-A0B9-F03AA7BE37CF}" type="datetimeFigureOut">
               <a:rPr lang="en-US" smtClean="0"/>
-              <a:t>4/21/20</a:t>
+              <a:t>5/1/2020</a:t>
             </a:fld>
             <a:endParaRPr lang="en-US"/>
           </a:p>
@@ -10848,7 +10848,7 @@
           <a:p>
             <a:fld id="{3C04E684-10F4-4CC3-A0B9-F03AA7BE37CF}" type="datetimeFigureOut">
               <a:rPr lang="en-US" smtClean="0"/>
-              <a:t>4/21/20</a:t>
+              <a:t>5/1/2020</a:t>
             </a:fld>
             <a:endParaRPr lang="en-US"/>
           </a:p>
@@ -11018,7 +11018,7 @@
           <a:p>
             <a:fld id="{3C04E684-10F4-4CC3-A0B9-F03AA7BE37CF}" type="datetimeFigureOut">
               <a:rPr lang="en-US" smtClean="0"/>
-              <a:t>4/21/20</a:t>
+              <a:t>5/1/2020</a:t>
             </a:fld>
             <a:endParaRPr lang="en-US"/>
           </a:p>
@@ -11198,7 +11198,7 @@
           <a:p>
             <a:fld id="{3C04E684-10F4-4CC3-A0B9-F03AA7BE37CF}" type="datetimeFigureOut">
               <a:rPr lang="en-US" smtClean="0"/>
-              <a:t>4/21/20</a:t>
+              <a:t>5/1/2020</a:t>
             </a:fld>
             <a:endParaRPr lang="en-US"/>
           </a:p>
@@ -11828,7 +11828,7 @@
           <a:p>
             <a:fld id="{3C04E684-10F4-4CC3-A0B9-F03AA7BE37CF}" type="datetimeFigureOut">
               <a:rPr lang="en-US" smtClean="0"/>
-              <a:t>4/21/20</a:t>
+              <a:t>5/1/2020</a:t>
             </a:fld>
             <a:endParaRPr lang="en-US"/>
           </a:p>
@@ -12628,7 +12628,7 @@
           <a:p>
             <a:fld id="{3C04E684-10F4-4CC3-A0B9-F03AA7BE37CF}" type="datetimeFigureOut">
               <a:rPr lang="en-US" smtClean="0"/>
-              <a:t>4/21/20</a:t>
+              <a:t>5/1/2020</a:t>
             </a:fld>
             <a:endParaRPr lang="en-US"/>
           </a:p>
@@ -13579,7 +13579,7 @@
           <a:p>
             <a:fld id="{3C04E684-10F4-4CC3-A0B9-F03AA7BE37CF}" type="datetimeFigureOut">
               <a:rPr lang="en-US" smtClean="0"/>
-              <a:t>4/21/20</a:t>
+              <a:t>5/1/2020</a:t>
             </a:fld>
             <a:endParaRPr lang="en-US"/>
           </a:p>
@@ -15928,7 +15928,7 @@
           <a:p>
             <a:fld id="{3C04E684-10F4-4CC3-A0B9-F03AA7BE37CF}" type="datetimeFigureOut">
               <a:rPr lang="en-US" smtClean="0"/>
-              <a:t>4/21/20</a:t>
+              <a:t>5/1/2020</a:t>
             </a:fld>
             <a:endParaRPr lang="en-US"/>
           </a:p>
@@ -16041,7 +16041,7 @@
           <a:p>
             <a:fld id="{3C04E684-10F4-4CC3-A0B9-F03AA7BE37CF}" type="datetimeFigureOut">
               <a:rPr lang="en-US" smtClean="0"/>
-              <a:t>4/21/20</a:t>
+              <a:t>5/1/2020</a:t>
             </a:fld>
             <a:endParaRPr lang="en-US"/>
           </a:p>
@@ -16548,7 +16548,7 @@
           <a:p>
             <a:fld id="{3C04E684-10F4-4CC3-A0B9-F03AA7BE37CF}" type="datetimeFigureOut">
               <a:rPr lang="en-US" smtClean="0"/>
-              <a:t>4/21/20</a:t>
+              <a:t>5/1/2020</a:t>
             </a:fld>
             <a:endParaRPr lang="en-US"/>
           </a:p>
@@ -17851,7 +17851,7 @@
           <a:p>
             <a:fld id="{3C04E684-10F4-4CC3-A0B9-F03AA7BE37CF}" type="datetimeFigureOut">
               <a:rPr lang="en-US" smtClean="0"/>
-              <a:t>4/21/20</a:t>
+              <a:t>5/1/2020</a:t>
             </a:fld>
             <a:endParaRPr lang="en-US"/>
           </a:p>
@@ -18098,7 +18098,7 @@
           <a:p>
             <a:fld id="{3C04E684-10F4-4CC3-A0B9-F03AA7BE37CF}" type="datetimeFigureOut">
               <a:rPr lang="en-US" smtClean="0"/>
-              <a:t>4/21/20</a:t>
+              <a:t>5/1/2020</a:t>
             </a:fld>
             <a:endParaRPr lang="en-US"/>
           </a:p>
@@ -18867,7 +18867,7 @@
           <a:p>
             <a:fld id="{3C04E684-10F4-4CC3-A0B9-F03AA7BE37CF}" type="datetimeFigureOut">
               <a:rPr lang="en-US" smtClean="0"/>
-              <a:t>4/21/20</a:t>
+              <a:t>5/1/2020</a:t>
             </a:fld>
             <a:endParaRPr lang="en-US"/>
           </a:p>
@@ -20180,13 +20180,13 @@
           <a:p>
             <a:r>
               <a:rPr lang="en-US" dirty="0"/>
-              <a:t> Create a list of places a user wishes to visit (Baltimore Favorites) </a:t>
+              <a:t>Create a list of places a user wishes to visit (Baltimore Favorites) </a:t>
             </a:r>
           </a:p>
           <a:p>
             <a:r>
               <a:rPr lang="en-US" dirty="0"/>
-              <a:t> Be able to view lists created by other users </a:t>
+              <a:t>Be able to view lists created by other users </a:t>
             </a:r>
           </a:p>
           <a:p>
@@ -20204,7 +20204,7 @@
           <a:p>
             <a:r>
               <a:rPr lang="en-US" dirty="0"/>
-              <a:t> Website should have filters to organize searches </a:t>
+              <a:t>Website should have filters to organize searches </a:t>
             </a:r>
           </a:p>
           <a:p>
